--- a/Ch03_CommitRollback.pptx
+++ b/Ch03_CommitRollback.pptx
@@ -3831,7 +3831,23 @@
                   <a:schemeClr val="tx1"/>
                 </a:solidFill>
               </a:rPr>
-              <a:t>Some query do the insert, some query do the update, some query will be delayed.</a:t>
+              <a:t>Some query do the insert, some query do the update, some query will </a:t>
+            </a:r>
+            <a:r>
+              <a:rPr lang="en-US" sz="1600">
+                <a:solidFill>
+                  <a:schemeClr val="tx1"/>
+                </a:solidFill>
+              </a:rPr>
+              <a:t>be deleted</a:t>
+            </a:r>
+            <a:r>
+              <a:rPr lang="en-US" sz="1600" dirty="0">
+                <a:solidFill>
+                  <a:schemeClr val="tx1"/>
+                </a:solidFill>
+              </a:rPr>
+              <a:t>.</a:t>
             </a:r>
           </a:p>
           <a:p>
